--- a/doc/ppt/第二阶段/23 负载均衡之url_hash & least_conn.pptx
+++ b/doc/ppt/第二阶段/23 负载均衡之url_hash & least_conn.pptx
@@ -6,9 +6,11 @@
   </p:sldMasterIdLst>
   <p:sldIdLst>
     <p:sldId id="256" r:id="rId2"/>
-    <p:sldId id="257" r:id="rId3"/>
-    <p:sldId id="258" r:id="rId4"/>
-    <p:sldId id="259" r:id="rId5"/>
+    <p:sldId id="260" r:id="rId3"/>
+    <p:sldId id="257" r:id="rId4"/>
+    <p:sldId id="258" r:id="rId5"/>
+    <p:sldId id="261" r:id="rId6"/>
+    <p:sldId id="259" r:id="rId7"/>
   </p:sldIdLst>
   <p:sldSz cx="9144000" cy="6858000" type="screen4x3"/>
   <p:notesSz cx="6858000" cy="9144000"/>
@@ -308,7 +310,7 @@
             <a:fld id="{1D8BD707-D9CF-40AE-B4C6-C98DA3205C09}" type="datetimeFigureOut">
               <a:rPr lang="en-US" smtClean="0"/>
               <a:pPr/>
-              <a:t>11/7/2021</a:t>
+              <a:t>11/10/2021</a:t>
             </a:fld>
             <a:endParaRPr lang="en-US"/>
           </a:p>
@@ -475,7 +477,7 @@
             <a:fld id="{1D8BD707-D9CF-40AE-B4C6-C98DA3205C09}" type="datetimeFigureOut">
               <a:rPr lang="en-US" smtClean="0"/>
               <a:pPr/>
-              <a:t>11/7/2021</a:t>
+              <a:t>11/10/2021</a:t>
             </a:fld>
             <a:endParaRPr lang="en-US"/>
           </a:p>
@@ -652,7 +654,7 @@
             <a:fld id="{1D8BD707-D9CF-40AE-B4C6-C98DA3205C09}" type="datetimeFigureOut">
               <a:rPr lang="en-US" smtClean="0"/>
               <a:pPr/>
-              <a:t>11/7/2021</a:t>
+              <a:t>11/10/2021</a:t>
             </a:fld>
             <a:endParaRPr lang="en-US"/>
           </a:p>
@@ -819,7 +821,7 @@
             <a:fld id="{1D8BD707-D9CF-40AE-B4C6-C98DA3205C09}" type="datetimeFigureOut">
               <a:rPr lang="en-US" smtClean="0"/>
               <a:pPr/>
-              <a:t>11/7/2021</a:t>
+              <a:t>11/10/2021</a:t>
             </a:fld>
             <a:endParaRPr lang="en-US"/>
           </a:p>
@@ -1062,7 +1064,7 @@
             <a:fld id="{1D8BD707-D9CF-40AE-B4C6-C98DA3205C09}" type="datetimeFigureOut">
               <a:rPr lang="en-US" smtClean="0"/>
               <a:pPr/>
-              <a:t>11/7/2021</a:t>
+              <a:t>11/10/2021</a:t>
             </a:fld>
             <a:endParaRPr lang="en-US"/>
           </a:p>
@@ -1347,7 +1349,7 @@
             <a:fld id="{1D8BD707-D9CF-40AE-B4C6-C98DA3205C09}" type="datetimeFigureOut">
               <a:rPr lang="en-US" smtClean="0"/>
               <a:pPr/>
-              <a:t>11/7/2021</a:t>
+              <a:t>11/10/2021</a:t>
             </a:fld>
             <a:endParaRPr lang="en-US"/>
           </a:p>
@@ -1766,7 +1768,7 @@
             <a:fld id="{1D8BD707-D9CF-40AE-B4C6-C98DA3205C09}" type="datetimeFigureOut">
               <a:rPr lang="en-US" smtClean="0"/>
               <a:pPr/>
-              <a:t>11/7/2021</a:t>
+              <a:t>11/10/2021</a:t>
             </a:fld>
             <a:endParaRPr lang="en-US"/>
           </a:p>
@@ -1881,7 +1883,7 @@
             <a:fld id="{1D8BD707-D9CF-40AE-B4C6-C98DA3205C09}" type="datetimeFigureOut">
               <a:rPr lang="en-US" smtClean="0"/>
               <a:pPr/>
-              <a:t>11/7/2021</a:t>
+              <a:t>11/10/2021</a:t>
             </a:fld>
             <a:endParaRPr lang="en-US"/>
           </a:p>
@@ -1973,7 +1975,7 @@
             <a:fld id="{1D8BD707-D9CF-40AE-B4C6-C98DA3205C09}" type="datetimeFigureOut">
               <a:rPr lang="en-US" smtClean="0"/>
               <a:pPr/>
-              <a:t>11/7/2021</a:t>
+              <a:t>11/10/2021</a:t>
             </a:fld>
             <a:endParaRPr lang="en-US"/>
           </a:p>
@@ -2247,7 +2249,7 @@
             <a:fld id="{1D8BD707-D9CF-40AE-B4C6-C98DA3205C09}" type="datetimeFigureOut">
               <a:rPr lang="en-US" smtClean="0"/>
               <a:pPr/>
-              <a:t>11/7/2021</a:t>
+              <a:t>11/10/2021</a:t>
             </a:fld>
             <a:endParaRPr lang="en-US"/>
           </a:p>
@@ -2497,7 +2499,7 @@
             <a:fld id="{1D8BD707-D9CF-40AE-B4C6-C98DA3205C09}" type="datetimeFigureOut">
               <a:rPr lang="en-US" smtClean="0"/>
               <a:pPr/>
-              <a:t>11/7/2021</a:t>
+              <a:t>11/10/2021</a:t>
             </a:fld>
             <a:endParaRPr lang="en-US"/>
           </a:p>
@@ -2707,7 +2709,7 @@
             <a:fld id="{1D8BD707-D9CF-40AE-B4C6-C98DA3205C09}" type="datetimeFigureOut">
               <a:rPr lang="en-US" smtClean="0"/>
               <a:pPr/>
-              <a:t>11/7/2021</a:t>
+              <a:t>11/10/2021</a:t>
             </a:fld>
             <a:endParaRPr lang="en-US"/>
           </a:p>
@@ -3177,31 +3179,1118 @@
           <a:chExt cx="0" cy="0"/>
         </a:xfrm>
       </p:grpSpPr>
-      <p:pic>
-        <p:nvPicPr>
-          <p:cNvPr id="2" name="图片 1"/>
-          <p:cNvPicPr>
-            <a:picLocks noChangeAspect="1"/>
-          </p:cNvPicPr>
+      <p:grpSp>
+        <p:nvGrpSpPr>
+          <p:cNvPr id="31" name="组合 30"/>
+          <p:cNvGrpSpPr/>
           <p:nvPr/>
-        </p:nvPicPr>
-        <p:blipFill>
-          <a:blip r:embed="rId2"/>
-          <a:stretch>
-            <a:fillRect/>
-          </a:stretch>
-        </p:blipFill>
-        <p:spPr>
+        </p:nvGrpSpPr>
+        <p:grpSpPr>
           <a:xfrm>
-            <a:off x="1524000" y="1143000"/>
-            <a:ext cx="5162550" cy="3028950"/>
+            <a:off x="0" y="533400"/>
+            <a:ext cx="9404193" cy="6156776"/>
+            <a:chOff x="0" y="533400"/>
+            <a:chExt cx="9404193" cy="6156776"/>
           </a:xfrm>
-          <a:prstGeom prst="rect">
-            <a:avLst/>
-          </a:prstGeom>
-        </p:spPr>
-      </p:pic>
+        </p:grpSpPr>
+        <p:grpSp>
+          <p:nvGrpSpPr>
+            <p:cNvPr id="2" name="组合 1"/>
+            <p:cNvGrpSpPr/>
+            <p:nvPr/>
+          </p:nvGrpSpPr>
+          <p:grpSpPr>
+            <a:xfrm>
+              <a:off x="0" y="533400"/>
+              <a:ext cx="9404193" cy="6156776"/>
+              <a:chOff x="0" y="533400"/>
+              <a:chExt cx="9404193" cy="6156776"/>
+            </a:xfrm>
+          </p:grpSpPr>
+          <p:grpSp>
+            <p:nvGrpSpPr>
+              <p:cNvPr id="3" name="组合 2"/>
+              <p:cNvGrpSpPr/>
+              <p:nvPr/>
+            </p:nvGrpSpPr>
+            <p:grpSpPr>
+              <a:xfrm>
+                <a:off x="990600" y="533400"/>
+                <a:ext cx="8413593" cy="5612500"/>
+                <a:chOff x="735773" y="685800"/>
+                <a:chExt cx="8413593" cy="5612500"/>
+              </a:xfrm>
+            </p:grpSpPr>
+            <p:grpSp>
+              <p:nvGrpSpPr>
+                <p:cNvPr id="13" name="组合 12"/>
+                <p:cNvGrpSpPr/>
+                <p:nvPr/>
+              </p:nvGrpSpPr>
+              <p:grpSpPr>
+                <a:xfrm>
+                  <a:off x="5948966" y="888100"/>
+                  <a:ext cx="3200400" cy="5410200"/>
+                  <a:chOff x="5943600" y="888100"/>
+                  <a:chExt cx="3200400" cy="5410200"/>
+                </a:xfrm>
+              </p:grpSpPr>
+              <p:sp>
+                <p:nvSpPr>
+                  <p:cNvPr id="25" name="圆角矩形 24"/>
+                  <p:cNvSpPr/>
+                  <p:nvPr/>
+                </p:nvSpPr>
+                <p:spPr>
+                  <a:xfrm>
+                    <a:off x="6781800" y="1905000"/>
+                    <a:ext cx="1600200" cy="609600"/>
+                  </a:xfrm>
+                  <a:prstGeom prst="roundRect">
+                    <a:avLst/>
+                  </a:prstGeom>
+                  <a:solidFill>
+                    <a:schemeClr val="accent1"/>
+                  </a:solidFill>
+                </p:spPr>
+                <p:style>
+                  <a:lnRef idx="2">
+                    <a:schemeClr val="accent3">
+                      <a:shade val="50000"/>
+                    </a:schemeClr>
+                  </a:lnRef>
+                  <a:fillRef idx="1">
+                    <a:schemeClr val="accent3"/>
+                  </a:fillRef>
+                  <a:effectRef idx="0">
+                    <a:schemeClr val="accent3"/>
+                  </a:effectRef>
+                  <a:fontRef idx="minor">
+                    <a:schemeClr val="lt1"/>
+                  </a:fontRef>
+                </p:style>
+                <p:txBody>
+                  <a:bodyPr rtlCol="0" anchor="ctr"/>
+                  <a:lstStyle/>
+                  <a:p>
+                    <a:pPr algn="ctr"/>
+                    <a:r>
+                      <a:rPr lang="zh-CN" altLang="en-US" dirty="0" smtClean="0"/>
+                      <a:t>服务器节点</a:t>
+                    </a:r>
+                    <a:r>
+                      <a:rPr lang="en-US" altLang="zh-CN" dirty="0" smtClean="0"/>
+                      <a:t>1</a:t>
+                    </a:r>
+                    <a:endParaRPr lang="zh-CN" altLang="en-US" dirty="0"/>
+                  </a:p>
+                </p:txBody>
+              </p:sp>
+              <p:sp>
+                <p:nvSpPr>
+                  <p:cNvPr id="26" name="圆角矩形 25"/>
+                  <p:cNvSpPr/>
+                  <p:nvPr/>
+                </p:nvSpPr>
+                <p:spPr>
+                  <a:xfrm>
+                    <a:off x="6781800" y="4770544"/>
+                    <a:ext cx="1600200" cy="609600"/>
+                  </a:xfrm>
+                  <a:prstGeom prst="roundRect">
+                    <a:avLst/>
+                  </a:prstGeom>
+                  <a:solidFill>
+                    <a:schemeClr val="accent1"/>
+                  </a:solidFill>
+                </p:spPr>
+                <p:style>
+                  <a:lnRef idx="2">
+                    <a:schemeClr val="accent3">
+                      <a:shade val="50000"/>
+                    </a:schemeClr>
+                  </a:lnRef>
+                  <a:fillRef idx="1">
+                    <a:schemeClr val="accent3"/>
+                  </a:fillRef>
+                  <a:effectRef idx="0">
+                    <a:schemeClr val="accent3"/>
+                  </a:effectRef>
+                  <a:fontRef idx="minor">
+                    <a:schemeClr val="lt1"/>
+                  </a:fontRef>
+                </p:style>
+                <p:txBody>
+                  <a:bodyPr rtlCol="0" anchor="ctr"/>
+                  <a:lstStyle/>
+                  <a:p>
+                    <a:pPr algn="ctr"/>
+                    <a:r>
+                      <a:rPr lang="zh-CN" altLang="en-US" dirty="0" smtClean="0"/>
+                      <a:t>服务器节点</a:t>
+                    </a:r>
+                    <a:r>
+                      <a:rPr lang="en-US" altLang="zh-CN" dirty="0"/>
+                      <a:t>3</a:t>
+                    </a:r>
+                    <a:endParaRPr lang="zh-CN" altLang="en-US" dirty="0"/>
+                  </a:p>
+                </p:txBody>
+              </p:sp>
+              <p:sp>
+                <p:nvSpPr>
+                  <p:cNvPr id="27" name="圆角矩形 26"/>
+                  <p:cNvSpPr/>
+                  <p:nvPr/>
+                </p:nvSpPr>
+                <p:spPr>
+                  <a:xfrm>
+                    <a:off x="6781800" y="3337772"/>
+                    <a:ext cx="1600200" cy="609600"/>
+                  </a:xfrm>
+                  <a:prstGeom prst="roundRect">
+                    <a:avLst/>
+                  </a:prstGeom>
+                  <a:solidFill>
+                    <a:schemeClr val="accent1"/>
+                  </a:solidFill>
+                </p:spPr>
+                <p:style>
+                  <a:lnRef idx="2">
+                    <a:schemeClr val="accent3">
+                      <a:shade val="50000"/>
+                    </a:schemeClr>
+                  </a:lnRef>
+                  <a:fillRef idx="1">
+                    <a:schemeClr val="accent3"/>
+                  </a:fillRef>
+                  <a:effectRef idx="0">
+                    <a:schemeClr val="accent3"/>
+                  </a:effectRef>
+                  <a:fontRef idx="minor">
+                    <a:schemeClr val="lt1"/>
+                  </a:fontRef>
+                </p:style>
+                <p:txBody>
+                  <a:bodyPr rtlCol="0" anchor="ctr"/>
+                  <a:lstStyle/>
+                  <a:p>
+                    <a:pPr algn="ctr"/>
+                    <a:r>
+                      <a:rPr lang="zh-CN" altLang="en-US" dirty="0" smtClean="0"/>
+                      <a:t>服务器节点</a:t>
+                    </a:r>
+                    <a:r>
+                      <a:rPr lang="en-US" altLang="zh-CN" dirty="0"/>
+                      <a:t>2</a:t>
+                    </a:r>
+                    <a:endParaRPr lang="zh-CN" altLang="en-US" dirty="0"/>
+                  </a:p>
+                </p:txBody>
+              </p:sp>
+              <p:sp>
+                <p:nvSpPr>
+                  <p:cNvPr id="28" name="圆角矩形 27"/>
+                  <p:cNvSpPr/>
+                  <p:nvPr/>
+                </p:nvSpPr>
+                <p:spPr>
+                  <a:xfrm>
+                    <a:off x="5943600" y="888100"/>
+                    <a:ext cx="3200400" cy="5410200"/>
+                  </a:xfrm>
+                  <a:prstGeom prst="roundRect">
+                    <a:avLst/>
+                  </a:prstGeom>
+                  <a:solidFill>
+                    <a:srgbClr val="1CF0BE">
+                      <a:alpha val="10196"/>
+                    </a:srgbClr>
+                  </a:solidFill>
+                  <a:ln>
+                    <a:noFill/>
+                  </a:ln>
+                </p:spPr>
+                <p:style>
+                  <a:lnRef idx="2">
+                    <a:schemeClr val="accent1">
+                      <a:shade val="50000"/>
+                    </a:schemeClr>
+                  </a:lnRef>
+                  <a:fillRef idx="1">
+                    <a:schemeClr val="accent1"/>
+                  </a:fillRef>
+                  <a:effectRef idx="0">
+                    <a:schemeClr val="accent1"/>
+                  </a:effectRef>
+                  <a:fontRef idx="minor">
+                    <a:schemeClr val="lt1"/>
+                  </a:fontRef>
+                </p:style>
+                <p:txBody>
+                  <a:bodyPr rtlCol="0" anchor="ctr"/>
+                  <a:lstStyle/>
+                  <a:p>
+                    <a:pPr algn="ctr"/>
+                    <a:endParaRPr lang="zh-CN" altLang="en-US" dirty="0"/>
+                  </a:p>
+                </p:txBody>
+              </p:sp>
+            </p:grpSp>
+            <p:grpSp>
+              <p:nvGrpSpPr>
+                <p:cNvPr id="14" name="组合 13"/>
+                <p:cNvGrpSpPr/>
+                <p:nvPr/>
+              </p:nvGrpSpPr>
+              <p:grpSpPr>
+                <a:xfrm>
+                  <a:off x="735773" y="685800"/>
+                  <a:ext cx="5849681" cy="4694344"/>
+                  <a:chOff x="735773" y="685800"/>
+                  <a:chExt cx="5849681" cy="4694344"/>
+                </a:xfrm>
+              </p:grpSpPr>
+              <p:cxnSp>
+                <p:nvCxnSpPr>
+                  <p:cNvPr id="15" name="直接箭头连接符 14"/>
+                  <p:cNvCxnSpPr/>
+                  <p:nvPr/>
+                </p:nvCxnSpPr>
+                <p:spPr>
+                  <a:xfrm>
+                    <a:off x="2286000" y="685800"/>
+                    <a:ext cx="914400" cy="914400"/>
+                  </a:xfrm>
+                  <a:prstGeom prst="straightConnector1">
+                    <a:avLst/>
+                  </a:prstGeom>
+                  <a:ln w="19050">
+                    <a:solidFill>
+                      <a:srgbClr val="FFFFFF"/>
+                    </a:solidFill>
+                    <a:tailEnd type="triangle"/>
+                  </a:ln>
+                </p:spPr>
+                <p:style>
+                  <a:lnRef idx="1">
+                    <a:schemeClr val="accent1"/>
+                  </a:lnRef>
+                  <a:fillRef idx="0">
+                    <a:schemeClr val="accent1"/>
+                  </a:fillRef>
+                  <a:effectRef idx="0">
+                    <a:schemeClr val="accent1"/>
+                  </a:effectRef>
+                  <a:fontRef idx="minor">
+                    <a:schemeClr val="tx1"/>
+                  </a:fontRef>
+                </p:style>
+              </p:cxnSp>
+              <p:grpSp>
+                <p:nvGrpSpPr>
+                  <p:cNvPr id="16" name="组合 15"/>
+                  <p:cNvGrpSpPr/>
+                  <p:nvPr/>
+                </p:nvGrpSpPr>
+                <p:grpSpPr>
+                  <a:xfrm>
+                    <a:off x="735773" y="793845"/>
+                    <a:ext cx="5849681" cy="4586299"/>
+                    <a:chOff x="727724" y="946245"/>
+                    <a:chExt cx="5849681" cy="4586299"/>
+                  </a:xfrm>
+                </p:grpSpPr>
+                <p:sp>
+                  <p:nvSpPr>
+                    <p:cNvPr id="17" name="圆角矩形 16"/>
+                    <p:cNvSpPr/>
+                    <p:nvPr/>
+                  </p:nvSpPr>
+                  <p:spPr>
+                    <a:xfrm>
+                      <a:off x="770244" y="946245"/>
+                      <a:ext cx="990600" cy="609600"/>
+                    </a:xfrm>
+                    <a:prstGeom prst="roundRect">
+                      <a:avLst/>
+                    </a:prstGeom>
+                  </p:spPr>
+                  <p:style>
+                    <a:lnRef idx="2">
+                      <a:schemeClr val="accent3">
+                        <a:shade val="50000"/>
+                      </a:schemeClr>
+                    </a:lnRef>
+                    <a:fillRef idx="1">
+                      <a:schemeClr val="accent3"/>
+                    </a:fillRef>
+                    <a:effectRef idx="0">
+                      <a:schemeClr val="accent3"/>
+                    </a:effectRef>
+                    <a:fontRef idx="minor">
+                      <a:schemeClr val="lt1"/>
+                    </a:fontRef>
+                  </p:style>
+                  <p:txBody>
+                    <a:bodyPr rtlCol="0" anchor="ctr"/>
+                    <a:lstStyle/>
+                    <a:p>
+                      <a:pPr algn="ctr"/>
+                      <a:r>
+                        <a:rPr lang="zh-CN" altLang="en-US" dirty="0" smtClean="0"/>
+                        <a:t>请求</a:t>
+                      </a:r>
+                      <a:endParaRPr lang="zh-CN" altLang="en-US" dirty="0"/>
+                    </a:p>
+                  </p:txBody>
+                </p:sp>
+                <p:sp>
+                  <p:nvSpPr>
+                    <p:cNvPr id="18" name="圆角矩形 17"/>
+                    <p:cNvSpPr/>
+                    <p:nvPr/>
+                  </p:nvSpPr>
+                  <p:spPr>
+                    <a:xfrm>
+                      <a:off x="728402" y="4922944"/>
+                      <a:ext cx="990600" cy="609600"/>
+                    </a:xfrm>
+                    <a:prstGeom prst="roundRect">
+                      <a:avLst/>
+                    </a:prstGeom>
+                  </p:spPr>
+                  <p:style>
+                    <a:lnRef idx="2">
+                      <a:schemeClr val="accent3">
+                        <a:shade val="50000"/>
+                      </a:schemeClr>
+                    </a:lnRef>
+                    <a:fillRef idx="1">
+                      <a:schemeClr val="accent3"/>
+                    </a:fillRef>
+                    <a:effectRef idx="0">
+                      <a:schemeClr val="accent3"/>
+                    </a:effectRef>
+                    <a:fontRef idx="minor">
+                      <a:schemeClr val="lt1"/>
+                    </a:fontRef>
+                  </p:style>
+                  <p:txBody>
+                    <a:bodyPr rtlCol="0" anchor="ctr"/>
+                    <a:lstStyle/>
+                    <a:p>
+                      <a:pPr algn="ctr"/>
+                      <a:r>
+                        <a:rPr lang="zh-CN" altLang="en-US" dirty="0" smtClean="0"/>
+                        <a:t>请求</a:t>
+                      </a:r>
+                      <a:endParaRPr lang="zh-CN" altLang="en-US" dirty="0"/>
+                    </a:p>
+                  </p:txBody>
+                </p:sp>
+                <p:sp>
+                  <p:nvSpPr>
+                    <p:cNvPr id="19" name="圆角矩形 18"/>
+                    <p:cNvSpPr/>
+                    <p:nvPr/>
+                  </p:nvSpPr>
+                  <p:spPr>
+                    <a:xfrm>
+                      <a:off x="727724" y="3458895"/>
+                      <a:ext cx="990600" cy="609600"/>
+                    </a:xfrm>
+                    <a:prstGeom prst="roundRect">
+                      <a:avLst/>
+                    </a:prstGeom>
+                  </p:spPr>
+                  <p:style>
+                    <a:lnRef idx="2">
+                      <a:schemeClr val="accent3">
+                        <a:shade val="50000"/>
+                      </a:schemeClr>
+                    </a:lnRef>
+                    <a:fillRef idx="1">
+                      <a:schemeClr val="accent3"/>
+                    </a:fillRef>
+                    <a:effectRef idx="0">
+                      <a:schemeClr val="accent3"/>
+                    </a:effectRef>
+                    <a:fontRef idx="minor">
+                      <a:schemeClr val="lt1"/>
+                    </a:fontRef>
+                  </p:style>
+                  <p:txBody>
+                    <a:bodyPr rtlCol="0" anchor="ctr"/>
+                    <a:lstStyle/>
+                    <a:p>
+                      <a:pPr algn="ctr"/>
+                      <a:r>
+                        <a:rPr lang="zh-CN" altLang="en-US" dirty="0" smtClean="0"/>
+                        <a:t>请求</a:t>
+                      </a:r>
+                      <a:endParaRPr lang="zh-CN" altLang="en-US" dirty="0"/>
+                    </a:p>
+                  </p:txBody>
+                </p:sp>
+                <p:sp>
+                  <p:nvSpPr>
+                    <p:cNvPr id="20" name="圆角矩形 19"/>
+                    <p:cNvSpPr/>
+                    <p:nvPr/>
+                  </p:nvSpPr>
+                  <p:spPr>
+                    <a:xfrm>
+                      <a:off x="779822" y="2271727"/>
+                      <a:ext cx="990600" cy="609600"/>
+                    </a:xfrm>
+                    <a:prstGeom prst="roundRect">
+                      <a:avLst/>
+                    </a:prstGeom>
+                  </p:spPr>
+                  <p:style>
+                    <a:lnRef idx="2">
+                      <a:schemeClr val="accent3">
+                        <a:shade val="50000"/>
+                      </a:schemeClr>
+                    </a:lnRef>
+                    <a:fillRef idx="1">
+                      <a:schemeClr val="accent3"/>
+                    </a:fillRef>
+                    <a:effectRef idx="0">
+                      <a:schemeClr val="accent3"/>
+                    </a:effectRef>
+                    <a:fontRef idx="minor">
+                      <a:schemeClr val="lt1"/>
+                    </a:fontRef>
+                  </p:style>
+                  <p:txBody>
+                    <a:bodyPr rtlCol="0" anchor="ctr"/>
+                    <a:lstStyle/>
+                    <a:p>
+                      <a:pPr algn="ctr"/>
+                      <a:r>
+                        <a:rPr lang="zh-CN" altLang="en-US" dirty="0" smtClean="0"/>
+                        <a:t>请求</a:t>
+                      </a:r>
+                      <a:endParaRPr lang="zh-CN" altLang="en-US" dirty="0"/>
+                    </a:p>
+                  </p:txBody>
+                </p:sp>
+                <p:cxnSp>
+                  <p:nvCxnSpPr>
+                    <p:cNvPr id="21" name="直接箭头连接符 20"/>
+                    <p:cNvCxnSpPr/>
+                    <p:nvPr/>
+                  </p:nvCxnSpPr>
+                  <p:spPr>
+                    <a:xfrm flipV="1">
+                      <a:off x="1856893" y="2684371"/>
+                      <a:ext cx="4720512" cy="2587182"/>
+                    </a:xfrm>
+                    <a:prstGeom prst="straightConnector1">
+                      <a:avLst/>
+                    </a:prstGeom>
+                    <a:ln w="28575">
+                      <a:solidFill>
+                        <a:srgbClr val="7030A0"/>
+                      </a:solidFill>
+                      <a:tailEnd type="triangle"/>
+                    </a:ln>
+                  </p:spPr>
+                  <p:style>
+                    <a:lnRef idx="1">
+                      <a:schemeClr val="accent1"/>
+                    </a:lnRef>
+                    <a:fillRef idx="0">
+                      <a:schemeClr val="accent1"/>
+                    </a:fillRef>
+                    <a:effectRef idx="0">
+                      <a:schemeClr val="accent1"/>
+                    </a:effectRef>
+                    <a:fontRef idx="minor">
+                      <a:schemeClr val="tx1"/>
+                    </a:fontRef>
+                  </p:style>
+                </p:cxnSp>
+                <p:cxnSp>
+                  <p:nvCxnSpPr>
+                    <p:cNvPr id="22" name="直接箭头连接符 21"/>
+                    <p:cNvCxnSpPr/>
+                    <p:nvPr/>
+                  </p:nvCxnSpPr>
+                  <p:spPr>
+                    <a:xfrm>
+                      <a:off x="1922038" y="3642572"/>
+                      <a:ext cx="4655367" cy="152400"/>
+                    </a:xfrm>
+                    <a:prstGeom prst="straightConnector1">
+                      <a:avLst/>
+                    </a:prstGeom>
+                    <a:ln w="28575">
+                      <a:solidFill>
+                        <a:srgbClr val="00B0F0"/>
+                      </a:solidFill>
+                      <a:tailEnd type="triangle"/>
+                    </a:ln>
+                  </p:spPr>
+                  <p:style>
+                    <a:lnRef idx="1">
+                      <a:schemeClr val="accent1"/>
+                    </a:lnRef>
+                    <a:fillRef idx="0">
+                      <a:schemeClr val="accent1"/>
+                    </a:fillRef>
+                    <a:effectRef idx="0">
+                      <a:schemeClr val="accent1"/>
+                    </a:effectRef>
+                    <a:fontRef idx="minor">
+                      <a:schemeClr val="tx1"/>
+                    </a:fontRef>
+                  </p:style>
+                </p:cxnSp>
+                <p:cxnSp>
+                  <p:nvCxnSpPr>
+                    <p:cNvPr id="23" name="直接箭头连接符 22"/>
+                    <p:cNvCxnSpPr/>
+                    <p:nvPr/>
+                  </p:nvCxnSpPr>
+                  <p:spPr>
+                    <a:xfrm>
+                      <a:off x="1922038" y="2684371"/>
+                      <a:ext cx="4535538" cy="1977582"/>
+                    </a:xfrm>
+                    <a:prstGeom prst="straightConnector1">
+                      <a:avLst/>
+                    </a:prstGeom>
+                    <a:ln w="28575">
+                      <a:solidFill>
+                        <a:srgbClr val="FF0000"/>
+                      </a:solidFill>
+                      <a:tailEnd type="triangle"/>
+                    </a:ln>
+                  </p:spPr>
+                  <p:style>
+                    <a:lnRef idx="1">
+                      <a:schemeClr val="accent1"/>
+                    </a:lnRef>
+                    <a:fillRef idx="0">
+                      <a:schemeClr val="accent1"/>
+                    </a:fillRef>
+                    <a:effectRef idx="0">
+                      <a:schemeClr val="accent1"/>
+                    </a:effectRef>
+                    <a:fontRef idx="minor">
+                      <a:schemeClr val="tx1"/>
+                    </a:fontRef>
+                  </p:style>
+                </p:cxnSp>
+                <p:cxnSp>
+                  <p:nvCxnSpPr>
+                    <p:cNvPr id="24" name="直接箭头连接符 23"/>
+                    <p:cNvCxnSpPr/>
+                    <p:nvPr/>
+                  </p:nvCxnSpPr>
+                  <p:spPr>
+                    <a:xfrm>
+                      <a:off x="1964558" y="1295400"/>
+                      <a:ext cx="4493018" cy="976327"/>
+                    </a:xfrm>
+                    <a:prstGeom prst="straightConnector1">
+                      <a:avLst/>
+                    </a:prstGeom>
+                    <a:ln w="28575">
+                      <a:tailEnd type="triangle"/>
+                    </a:ln>
+                  </p:spPr>
+                  <p:style>
+                    <a:lnRef idx="1">
+                      <a:schemeClr val="accent1"/>
+                    </a:lnRef>
+                    <a:fillRef idx="0">
+                      <a:schemeClr val="accent1"/>
+                    </a:fillRef>
+                    <a:effectRef idx="0">
+                      <a:schemeClr val="accent1"/>
+                    </a:effectRef>
+                    <a:fontRef idx="minor">
+                      <a:schemeClr val="tx1"/>
+                    </a:fontRef>
+                  </p:style>
+                </p:cxnSp>
+              </p:grpSp>
+            </p:grpSp>
+          </p:grpSp>
+          <p:sp>
+            <p:nvSpPr>
+              <p:cNvPr id="4" name="文本框 3"/>
+              <p:cNvSpPr txBox="1"/>
+              <p:nvPr/>
+            </p:nvSpPr>
+            <p:spPr>
+              <a:xfrm>
+                <a:off x="8306231" y="2118705"/>
+                <a:ext cx="301686" cy="369332"/>
+              </a:xfrm>
+              <a:prstGeom prst="rect">
+                <a:avLst/>
+              </a:prstGeom>
+              <a:noFill/>
+            </p:spPr>
+            <p:txBody>
+              <a:bodyPr wrap="none" rtlCol="0">
+                <a:spAutoFit/>
+              </a:bodyPr>
+              <a:lstStyle/>
+              <a:p>
+                <a:r>
+                  <a:rPr lang="en-US" altLang="zh-CN" b="1" dirty="0" smtClean="0">
+                    <a:solidFill>
+                      <a:srgbClr val="FF0000"/>
+                    </a:solidFill>
+                  </a:rPr>
+                  <a:t>0</a:t>
+                </a:r>
+                <a:endParaRPr lang="zh-CN" altLang="en-US" b="1" dirty="0">
+                  <a:solidFill>
+                    <a:srgbClr val="FF0000"/>
+                  </a:solidFill>
+                </a:endParaRPr>
+              </a:p>
+            </p:txBody>
+          </p:sp>
+          <p:sp>
+            <p:nvSpPr>
+              <p:cNvPr id="5" name="文本框 4"/>
+              <p:cNvSpPr txBox="1"/>
+              <p:nvPr/>
+            </p:nvSpPr>
+            <p:spPr>
+              <a:xfrm>
+                <a:off x="8306231" y="3608428"/>
+                <a:ext cx="301686" cy="369332"/>
+              </a:xfrm>
+              <a:prstGeom prst="rect">
+                <a:avLst/>
+              </a:prstGeom>
+              <a:noFill/>
+            </p:spPr>
+            <p:txBody>
+              <a:bodyPr wrap="none" rtlCol="0">
+                <a:spAutoFit/>
+              </a:bodyPr>
+              <a:lstStyle/>
+              <a:p>
+                <a:r>
+                  <a:rPr lang="en-US" altLang="zh-CN" b="1" dirty="0">
+                    <a:solidFill>
+                      <a:srgbClr val="FF0000"/>
+                    </a:solidFill>
+                  </a:rPr>
+                  <a:t>1</a:t>
+                </a:r>
+                <a:endParaRPr lang="zh-CN" altLang="en-US" b="1" dirty="0">
+                  <a:solidFill>
+                    <a:srgbClr val="FF0000"/>
+                  </a:solidFill>
+                </a:endParaRPr>
+              </a:p>
+            </p:txBody>
+          </p:sp>
+          <p:sp>
+            <p:nvSpPr>
+              <p:cNvPr id="6" name="文本框 5"/>
+              <p:cNvSpPr txBox="1"/>
+              <p:nvPr/>
+            </p:nvSpPr>
+            <p:spPr>
+              <a:xfrm>
+                <a:off x="8310040" y="5043078"/>
+                <a:ext cx="301686" cy="369332"/>
+              </a:xfrm>
+              <a:prstGeom prst="rect">
+                <a:avLst/>
+              </a:prstGeom>
+              <a:noFill/>
+            </p:spPr>
+            <p:txBody>
+              <a:bodyPr wrap="none" rtlCol="0">
+                <a:spAutoFit/>
+              </a:bodyPr>
+              <a:lstStyle/>
+              <a:p>
+                <a:r>
+                  <a:rPr lang="en-US" altLang="zh-CN" b="1" dirty="0">
+                    <a:solidFill>
+                      <a:srgbClr val="FF0000"/>
+                    </a:solidFill>
+                  </a:rPr>
+                  <a:t>2</a:t>
+                </a:r>
+                <a:endParaRPr lang="zh-CN" altLang="en-US" b="1" dirty="0">
+                  <a:solidFill>
+                    <a:srgbClr val="FF0000"/>
+                  </a:solidFill>
+                </a:endParaRPr>
+              </a:p>
+            </p:txBody>
+          </p:sp>
+          <p:sp>
+            <p:nvSpPr>
+              <p:cNvPr id="7" name="文本框 6"/>
+              <p:cNvSpPr txBox="1"/>
+              <p:nvPr/>
+            </p:nvSpPr>
+            <p:spPr>
+              <a:xfrm>
+                <a:off x="2303718" y="6320844"/>
+                <a:ext cx="4616713" cy="369332"/>
+              </a:xfrm>
+              <a:prstGeom prst="rect">
+                <a:avLst/>
+              </a:prstGeom>
+              <a:noFill/>
+            </p:spPr>
+            <p:txBody>
+              <a:bodyPr wrap="none" rtlCol="0">
+                <a:spAutoFit/>
+              </a:bodyPr>
+              <a:lstStyle/>
+              <a:p>
+                <a:r>
+                  <a:rPr lang="en-US" altLang="zh-CN" dirty="0" smtClean="0"/>
+                  <a:t>hash(</a:t>
+                </a:r>
+                <a:r>
+                  <a:rPr lang="en-US" altLang="zh-CN" dirty="0" err="1" smtClean="0"/>
+                  <a:t>url</a:t>
+                </a:r>
+                <a:r>
+                  <a:rPr lang="en-US" altLang="zh-CN" dirty="0" smtClean="0"/>
+                  <a:t>) % </a:t>
+                </a:r>
+                <a:r>
+                  <a:rPr lang="zh-CN" altLang="en-US" dirty="0" smtClean="0"/>
+                  <a:t>集群中服务器总节点个数 </a:t>
+                </a:r>
+                <a:r>
+                  <a:rPr lang="en-US" altLang="zh-CN" dirty="0"/>
+                  <a:t> </a:t>
+                </a:r>
+                <a:r>
+                  <a:rPr lang="en-US" altLang="zh-CN" dirty="0" smtClean="0"/>
+                  <a:t>= index</a:t>
+                </a:r>
+              </a:p>
+            </p:txBody>
+          </p:sp>
+          <p:sp>
+            <p:nvSpPr>
+              <p:cNvPr id="8" name="文本框 7"/>
+              <p:cNvSpPr txBox="1"/>
+              <p:nvPr/>
+            </p:nvSpPr>
+            <p:spPr>
+              <a:xfrm>
+                <a:off x="0" y="2620168"/>
+                <a:ext cx="2799805" cy="369332"/>
+              </a:xfrm>
+              <a:prstGeom prst="rect">
+                <a:avLst/>
+              </a:prstGeom>
+              <a:noFill/>
+            </p:spPr>
+            <p:txBody>
+              <a:bodyPr wrap="none" rtlCol="0">
+                <a:spAutoFit/>
+              </a:bodyPr>
+              <a:lstStyle/>
+              <a:p>
+                <a:r>
+                  <a:rPr lang="en-US" altLang="zh-CN" dirty="0" smtClean="0"/>
+                  <a:t>hash(</a:t>
+                </a:r>
+                <a:r>
+                  <a:rPr lang="en-US" altLang="zh-CN" dirty="0" smtClean="0">
+                    <a:solidFill>
+                      <a:srgbClr val="FF0000"/>
+                    </a:solidFill>
+                  </a:rPr>
+                  <a:t>[</a:t>
+                </a:r>
+                <a:r>
+                  <a:rPr lang="en-US" altLang="zh-CN" dirty="0">
+                    <a:solidFill>
+                      <a:srgbClr val="FF0000"/>
+                    </a:solidFill>
+                  </a:rPr>
+                  <a:t>domain</a:t>
+                </a:r>
+                <a:r>
+                  <a:rPr lang="en-US" altLang="zh-CN" dirty="0" smtClean="0">
+                    <a:solidFill>
+                      <a:srgbClr val="FF0000"/>
+                    </a:solidFill>
+                  </a:rPr>
+                  <a:t>]/lists</a:t>
+                </a:r>
+                <a:r>
+                  <a:rPr lang="en-US" altLang="zh-CN" dirty="0" smtClean="0"/>
+                  <a:t>) % 3 = 2</a:t>
+                </a:r>
+                <a:endParaRPr lang="zh-CN" altLang="en-US" dirty="0"/>
+              </a:p>
+            </p:txBody>
+          </p:sp>
+          <p:sp>
+            <p:nvSpPr>
+              <p:cNvPr id="9" name="文本框 8"/>
+              <p:cNvSpPr txBox="1"/>
+              <p:nvPr/>
+            </p:nvSpPr>
+            <p:spPr>
+              <a:xfrm>
+                <a:off x="0" y="1478242"/>
+                <a:ext cx="2806987" cy="369332"/>
+              </a:xfrm>
+              <a:prstGeom prst="rect">
+                <a:avLst/>
+              </a:prstGeom>
+              <a:noFill/>
+            </p:spPr>
+            <p:txBody>
+              <a:bodyPr wrap="none" rtlCol="0">
+                <a:spAutoFit/>
+              </a:bodyPr>
+              <a:lstStyle/>
+              <a:p>
+                <a:r>
+                  <a:rPr lang="en-US" altLang="zh-CN" dirty="0"/>
+                  <a:t>h</a:t>
+                </a:r>
+                <a:r>
+                  <a:rPr lang="en-US" altLang="zh-CN" dirty="0" smtClean="0"/>
+                  <a:t>ash(</a:t>
+                </a:r>
+                <a:r>
+                  <a:rPr lang="en-US" altLang="zh-CN" dirty="0" smtClean="0">
+                    <a:solidFill>
+                      <a:srgbClr val="FF0000"/>
+                    </a:solidFill>
+                  </a:rPr>
+                  <a:t>[domain]/cats</a:t>
+                </a:r>
+                <a:r>
+                  <a:rPr lang="en-US" altLang="zh-CN" dirty="0" smtClean="0"/>
+                  <a:t>) % 3 = 0</a:t>
+                </a:r>
+                <a:endParaRPr lang="zh-CN" altLang="en-US" dirty="0"/>
+              </a:p>
+            </p:txBody>
+          </p:sp>
+          <p:sp>
+            <p:nvSpPr>
+              <p:cNvPr id="10" name="文本框 9"/>
+              <p:cNvSpPr txBox="1"/>
+              <p:nvPr/>
+            </p:nvSpPr>
+            <p:spPr>
+              <a:xfrm>
+                <a:off x="53610" y="3900539"/>
+                <a:ext cx="3032433" cy="369332"/>
+              </a:xfrm>
+              <a:prstGeom prst="rect">
+                <a:avLst/>
+              </a:prstGeom>
+              <a:noFill/>
+            </p:spPr>
+            <p:txBody>
+              <a:bodyPr wrap="none" rtlCol="0">
+                <a:spAutoFit/>
+              </a:bodyPr>
+              <a:lstStyle/>
+              <a:p>
+                <a:r>
+                  <a:rPr lang="en-US" altLang="zh-CN" dirty="0" smtClean="0"/>
+                  <a:t>hash</a:t>
+                </a:r>
+                <a:r>
+                  <a:rPr lang="en-US" altLang="zh-CN" dirty="0"/>
+                  <a:t> (</a:t>
+                </a:r>
+                <a:r>
+                  <a:rPr lang="en-US" altLang="zh-CN" dirty="0">
+                    <a:solidFill>
+                      <a:srgbClr val="FF0000"/>
+                    </a:solidFill>
+                  </a:rPr>
+                  <a:t>[domain</a:t>
+                </a:r>
+                <a:r>
+                  <a:rPr lang="en-US" altLang="zh-CN" dirty="0" smtClean="0">
+                    <a:solidFill>
+                      <a:srgbClr val="FF0000"/>
+                    </a:solidFill>
+                  </a:rPr>
+                  <a:t>]/shops</a:t>
+                </a:r>
+                <a:r>
+                  <a:rPr lang="en-US" altLang="zh-CN" dirty="0" smtClean="0"/>
+                  <a:t>) % 3 = 1</a:t>
+                </a:r>
+                <a:endParaRPr lang="zh-CN" altLang="en-US" dirty="0"/>
+              </a:p>
+            </p:txBody>
+          </p:sp>
+          <p:sp>
+            <p:nvSpPr>
+              <p:cNvPr id="11" name="文本框 10"/>
+              <p:cNvSpPr txBox="1"/>
+              <p:nvPr/>
+            </p:nvSpPr>
+            <p:spPr>
+              <a:xfrm>
+                <a:off x="53611" y="5315026"/>
+                <a:ext cx="3321230" cy="369332"/>
+              </a:xfrm>
+              <a:prstGeom prst="rect">
+                <a:avLst/>
+              </a:prstGeom>
+              <a:noFill/>
+            </p:spPr>
+            <p:txBody>
+              <a:bodyPr wrap="none" rtlCol="0">
+                <a:spAutoFit/>
+              </a:bodyPr>
+              <a:lstStyle/>
+              <a:p>
+                <a:r>
+                  <a:rPr lang="en-US" altLang="zh-CN" dirty="0" smtClean="0"/>
+                  <a:t>hash</a:t>
+                </a:r>
+                <a:r>
+                  <a:rPr lang="en-US" altLang="zh-CN" dirty="0"/>
+                  <a:t> (</a:t>
+                </a:r>
+                <a:r>
+                  <a:rPr lang="en-US" altLang="zh-CN" dirty="0">
+                    <a:solidFill>
+                      <a:srgbClr val="FF0000"/>
+                    </a:solidFill>
+                  </a:rPr>
+                  <a:t>[domain</a:t>
+                </a:r>
+                <a:r>
+                  <a:rPr lang="en-US" altLang="zh-CN" dirty="0" smtClean="0">
+                    <a:solidFill>
+                      <a:srgbClr val="FF0000"/>
+                    </a:solidFill>
+                  </a:rPr>
+                  <a:t>]/products</a:t>
+                </a:r>
+                <a:r>
+                  <a:rPr lang="en-US" altLang="zh-CN" dirty="0" smtClean="0"/>
+                  <a:t>) % 3 = 0</a:t>
+                </a:r>
+                <a:endParaRPr lang="zh-CN" altLang="en-US" dirty="0"/>
+              </a:p>
+            </p:txBody>
+          </p:sp>
+          <p:sp>
+            <p:nvSpPr>
+              <p:cNvPr id="12" name="圆角矩形 11"/>
+              <p:cNvSpPr/>
+              <p:nvPr/>
+            </p:nvSpPr>
+            <p:spPr>
+              <a:xfrm>
+                <a:off x="4153309" y="2576527"/>
+                <a:ext cx="990600" cy="609600"/>
+              </a:xfrm>
+              <a:prstGeom prst="roundRect">
+                <a:avLst/>
+              </a:prstGeom>
+              <a:solidFill>
+                <a:schemeClr val="accent1">
+                  <a:lumMod val="20000"/>
+                  <a:lumOff val="80000"/>
+                </a:schemeClr>
+              </a:solidFill>
+              <a:ln>
+                <a:noFill/>
+              </a:ln>
+            </p:spPr>
+            <p:style>
+              <a:lnRef idx="2">
+                <a:schemeClr val="accent3">
+                  <a:shade val="50000"/>
+                </a:schemeClr>
+              </a:lnRef>
+              <a:fillRef idx="1">
+                <a:schemeClr val="accent3"/>
+              </a:fillRef>
+              <a:effectRef idx="0">
+                <a:schemeClr val="accent3"/>
+              </a:effectRef>
+              <a:fontRef idx="minor">
+                <a:schemeClr val="lt1"/>
+              </a:fontRef>
+            </p:style>
+            <p:txBody>
+              <a:bodyPr rtlCol="0" anchor="ctr"/>
+              <a:lstStyle/>
+              <a:p>
+                <a:pPr algn="ctr"/>
+                <a:r>
+                  <a:rPr lang="en-US" altLang="zh-CN" dirty="0" smtClean="0"/>
+                  <a:t>nginx</a:t>
+                </a:r>
+                <a:endParaRPr lang="zh-CN" altLang="en-US" dirty="0"/>
+              </a:p>
+            </p:txBody>
+          </p:sp>
+        </p:grpSp>
+        <p:sp>
+          <p:nvSpPr>
+            <p:cNvPr id="30" name="文本框 29"/>
+            <p:cNvSpPr txBox="1"/>
+            <p:nvPr/>
+          </p:nvSpPr>
+          <p:spPr>
+            <a:xfrm>
+              <a:off x="2590512" y="5890086"/>
+              <a:ext cx="3861955" cy="369332"/>
+            </a:xfrm>
+            <a:prstGeom prst="rect">
+              <a:avLst/>
+            </a:prstGeom>
+            <a:noFill/>
+          </p:spPr>
+          <p:txBody>
+            <a:bodyPr wrap="none" rtlCol="0">
+              <a:spAutoFit/>
+            </a:bodyPr>
+            <a:lstStyle/>
+            <a:p>
+              <a:r>
+                <a:rPr lang="en-US" altLang="zh-CN" dirty="0" smtClean="0"/>
+                <a:t>[domain] </a:t>
+              </a:r>
+              <a:r>
+                <a:rPr lang="zh-CN" altLang="en-US" dirty="0" smtClean="0"/>
+                <a:t>是指请求路径中的具体域名</a:t>
+              </a:r>
+              <a:endParaRPr lang="zh-CN" altLang="en-US" dirty="0"/>
+            </a:p>
+          </p:txBody>
+        </p:sp>
+      </p:grpSp>
     </p:spTree>
+    <p:extLst>
+      <p:ext uri="{BB962C8B-B14F-4D97-AF65-F5344CB8AC3E}">
+        <p14:creationId xmlns:p14="http://schemas.microsoft.com/office/powerpoint/2010/main" val="2657633528"/>
+      </p:ext>
+    </p:extLst>
   </p:cSld>
   <p:clrMapOvr>
     <a:masterClrMapping/>
@@ -3242,6 +4331,55 @@
         </p:blipFill>
         <p:spPr>
           <a:xfrm>
+            <a:off x="1524000" y="1143000"/>
+            <a:ext cx="5162550" cy="3028950"/>
+          </a:xfrm>
+          <a:prstGeom prst="rect">
+            <a:avLst/>
+          </a:prstGeom>
+        </p:spPr>
+      </p:pic>
+    </p:spTree>
+  </p:cSld>
+  <p:clrMapOvr>
+    <a:masterClrMapping/>
+  </p:clrMapOvr>
+</p:sld>
+</file>
+
+<file path=ppt/slides/slide4.xml><?xml version="1.0" encoding="utf-8"?>
+<p:sld xmlns:a="http://schemas.openxmlformats.org/drawingml/2006/main" xmlns:r="http://schemas.openxmlformats.org/officeDocument/2006/relationships" xmlns:p="http://schemas.openxmlformats.org/presentationml/2006/main">
+  <p:cSld>
+    <p:spTree>
+      <p:nvGrpSpPr>
+        <p:cNvPr id="1" name=""/>
+        <p:cNvGrpSpPr/>
+        <p:nvPr/>
+      </p:nvGrpSpPr>
+      <p:grpSpPr>
+        <a:xfrm>
+          <a:off x="0" y="0"/>
+          <a:ext cx="0" cy="0"/>
+          <a:chOff x="0" y="0"/>
+          <a:chExt cx="0" cy="0"/>
+        </a:xfrm>
+      </p:grpSpPr>
+      <p:pic>
+        <p:nvPicPr>
+          <p:cNvPr id="2" name="图片 1"/>
+          <p:cNvPicPr>
+            <a:picLocks noChangeAspect="1"/>
+          </p:cNvPicPr>
+          <p:nvPr/>
+        </p:nvPicPr>
+        <p:blipFill>
+          <a:blip r:embed="rId2"/>
+          <a:stretch>
+            <a:fillRect/>
+          </a:stretch>
+        </p:blipFill>
+        <p:spPr>
+          <a:xfrm>
             <a:off x="533400" y="533400"/>
             <a:ext cx="8039100" cy="4524375"/>
           </a:xfrm>
@@ -3308,7 +4446,938 @@
 </p:sld>
 </file>
 
-<file path=ppt/slides/slide4.xml><?xml version="1.0" encoding="utf-8"?>
+<file path=ppt/slides/slide5.xml><?xml version="1.0" encoding="utf-8"?>
+<p:sld xmlns:a="http://schemas.openxmlformats.org/drawingml/2006/main" xmlns:r="http://schemas.openxmlformats.org/officeDocument/2006/relationships" xmlns:p="http://schemas.openxmlformats.org/presentationml/2006/main">
+  <p:cSld>
+    <p:spTree>
+      <p:nvGrpSpPr>
+        <p:cNvPr id="1" name=""/>
+        <p:cNvGrpSpPr/>
+        <p:nvPr/>
+      </p:nvGrpSpPr>
+      <p:grpSpPr>
+        <a:xfrm>
+          <a:off x="0" y="0"/>
+          <a:ext cx="0" cy="0"/>
+          <a:chOff x="0" y="0"/>
+          <a:chExt cx="0" cy="0"/>
+        </a:xfrm>
+      </p:grpSpPr>
+      <p:grpSp>
+        <p:nvGrpSpPr>
+          <p:cNvPr id="31" name="组合 30"/>
+          <p:cNvGrpSpPr/>
+          <p:nvPr/>
+        </p:nvGrpSpPr>
+        <p:grpSpPr>
+          <a:xfrm>
+            <a:off x="533400" y="685800"/>
+            <a:ext cx="8379317" cy="5612500"/>
+            <a:chOff x="533400" y="685800"/>
+            <a:chExt cx="8379317" cy="5612500"/>
+          </a:xfrm>
+        </p:grpSpPr>
+        <p:grpSp>
+          <p:nvGrpSpPr>
+            <p:cNvPr id="27" name="组合 26"/>
+            <p:cNvGrpSpPr/>
+            <p:nvPr/>
+          </p:nvGrpSpPr>
+          <p:grpSpPr>
+            <a:xfrm>
+              <a:off x="533400" y="685800"/>
+              <a:ext cx="8379317" cy="5612500"/>
+              <a:chOff x="764683" y="806066"/>
+              <a:chExt cx="8379317" cy="5612500"/>
+            </a:xfrm>
+          </p:grpSpPr>
+          <p:grpSp>
+            <p:nvGrpSpPr>
+              <p:cNvPr id="2" name="组合 1"/>
+              <p:cNvGrpSpPr/>
+              <p:nvPr/>
+            </p:nvGrpSpPr>
+            <p:grpSpPr>
+              <a:xfrm>
+                <a:off x="764683" y="806066"/>
+                <a:ext cx="8379317" cy="5612500"/>
+                <a:chOff x="770049" y="685800"/>
+                <a:chExt cx="8379317" cy="5612500"/>
+              </a:xfrm>
+            </p:grpSpPr>
+            <p:grpSp>
+              <p:nvGrpSpPr>
+                <p:cNvPr id="3" name="组合 2"/>
+                <p:cNvGrpSpPr/>
+                <p:nvPr/>
+              </p:nvGrpSpPr>
+              <p:grpSpPr>
+                <a:xfrm>
+                  <a:off x="5948966" y="888100"/>
+                  <a:ext cx="3200400" cy="5410200"/>
+                  <a:chOff x="5943600" y="888100"/>
+                  <a:chExt cx="3200400" cy="5410200"/>
+                </a:xfrm>
+              </p:grpSpPr>
+              <p:sp>
+                <p:nvSpPr>
+                  <p:cNvPr id="20" name="圆角矩形 19"/>
+                  <p:cNvSpPr/>
+                  <p:nvPr/>
+                </p:nvSpPr>
+                <p:spPr>
+                  <a:xfrm>
+                    <a:off x="6781800" y="1905000"/>
+                    <a:ext cx="1600200" cy="609600"/>
+                  </a:xfrm>
+                  <a:prstGeom prst="roundRect">
+                    <a:avLst/>
+                  </a:prstGeom>
+                  <a:solidFill>
+                    <a:schemeClr val="accent1"/>
+                  </a:solidFill>
+                </p:spPr>
+                <p:style>
+                  <a:lnRef idx="2">
+                    <a:schemeClr val="accent3">
+                      <a:shade val="50000"/>
+                    </a:schemeClr>
+                  </a:lnRef>
+                  <a:fillRef idx="1">
+                    <a:schemeClr val="accent3"/>
+                  </a:fillRef>
+                  <a:effectRef idx="0">
+                    <a:schemeClr val="accent3"/>
+                  </a:effectRef>
+                  <a:fontRef idx="minor">
+                    <a:schemeClr val="lt1"/>
+                  </a:fontRef>
+                </p:style>
+                <p:txBody>
+                  <a:bodyPr rtlCol="0" anchor="ctr"/>
+                  <a:lstStyle/>
+                  <a:p>
+                    <a:pPr algn="ctr"/>
+                    <a:r>
+                      <a:rPr lang="zh-CN" altLang="en-US" dirty="0" smtClean="0"/>
+                      <a:t>服务器节点</a:t>
+                    </a:r>
+                    <a:r>
+                      <a:rPr lang="en-US" altLang="zh-CN" dirty="0" smtClean="0"/>
+                      <a:t>1</a:t>
+                    </a:r>
+                    <a:endParaRPr lang="zh-CN" altLang="en-US" dirty="0"/>
+                  </a:p>
+                </p:txBody>
+              </p:sp>
+              <p:sp>
+                <p:nvSpPr>
+                  <p:cNvPr id="21" name="圆角矩形 20"/>
+                  <p:cNvSpPr/>
+                  <p:nvPr/>
+                </p:nvSpPr>
+                <p:spPr>
+                  <a:xfrm>
+                    <a:off x="6781800" y="4770544"/>
+                    <a:ext cx="1600200" cy="609600"/>
+                  </a:xfrm>
+                  <a:prstGeom prst="roundRect">
+                    <a:avLst/>
+                  </a:prstGeom>
+                  <a:solidFill>
+                    <a:schemeClr val="accent1"/>
+                  </a:solidFill>
+                </p:spPr>
+                <p:style>
+                  <a:lnRef idx="2">
+                    <a:schemeClr val="accent3">
+                      <a:shade val="50000"/>
+                    </a:schemeClr>
+                  </a:lnRef>
+                  <a:fillRef idx="1">
+                    <a:schemeClr val="accent3"/>
+                  </a:fillRef>
+                  <a:effectRef idx="0">
+                    <a:schemeClr val="accent3"/>
+                  </a:effectRef>
+                  <a:fontRef idx="minor">
+                    <a:schemeClr val="lt1"/>
+                  </a:fontRef>
+                </p:style>
+                <p:txBody>
+                  <a:bodyPr rtlCol="0" anchor="ctr"/>
+                  <a:lstStyle/>
+                  <a:p>
+                    <a:pPr algn="ctr"/>
+                    <a:r>
+                      <a:rPr lang="zh-CN" altLang="en-US" dirty="0" smtClean="0"/>
+                      <a:t>服务器节点</a:t>
+                    </a:r>
+                    <a:r>
+                      <a:rPr lang="en-US" altLang="zh-CN" dirty="0"/>
+                      <a:t>3</a:t>
+                    </a:r>
+                    <a:endParaRPr lang="zh-CN" altLang="en-US" dirty="0"/>
+                  </a:p>
+                </p:txBody>
+              </p:sp>
+              <p:sp>
+                <p:nvSpPr>
+                  <p:cNvPr id="22" name="圆角矩形 21"/>
+                  <p:cNvSpPr/>
+                  <p:nvPr/>
+                </p:nvSpPr>
+                <p:spPr>
+                  <a:xfrm>
+                    <a:off x="6781800" y="3337772"/>
+                    <a:ext cx="1600200" cy="609600"/>
+                  </a:xfrm>
+                  <a:prstGeom prst="roundRect">
+                    <a:avLst/>
+                  </a:prstGeom>
+                  <a:solidFill>
+                    <a:schemeClr val="accent1"/>
+                  </a:solidFill>
+                </p:spPr>
+                <p:style>
+                  <a:lnRef idx="2">
+                    <a:schemeClr val="accent3">
+                      <a:shade val="50000"/>
+                    </a:schemeClr>
+                  </a:lnRef>
+                  <a:fillRef idx="1">
+                    <a:schemeClr val="accent3"/>
+                  </a:fillRef>
+                  <a:effectRef idx="0">
+                    <a:schemeClr val="accent3"/>
+                  </a:effectRef>
+                  <a:fontRef idx="minor">
+                    <a:schemeClr val="lt1"/>
+                  </a:fontRef>
+                </p:style>
+                <p:txBody>
+                  <a:bodyPr rtlCol="0" anchor="ctr"/>
+                  <a:lstStyle/>
+                  <a:p>
+                    <a:pPr algn="ctr"/>
+                    <a:r>
+                      <a:rPr lang="zh-CN" altLang="en-US" dirty="0" smtClean="0"/>
+                      <a:t>服务器节点</a:t>
+                    </a:r>
+                    <a:r>
+                      <a:rPr lang="en-US" altLang="zh-CN" dirty="0"/>
+                      <a:t>2</a:t>
+                    </a:r>
+                    <a:endParaRPr lang="zh-CN" altLang="en-US" dirty="0"/>
+                  </a:p>
+                </p:txBody>
+              </p:sp>
+              <p:sp>
+                <p:nvSpPr>
+                  <p:cNvPr id="23" name="圆角矩形 22"/>
+                  <p:cNvSpPr/>
+                  <p:nvPr/>
+                </p:nvSpPr>
+                <p:spPr>
+                  <a:xfrm>
+                    <a:off x="5943600" y="888100"/>
+                    <a:ext cx="3200400" cy="5410200"/>
+                  </a:xfrm>
+                  <a:prstGeom prst="roundRect">
+                    <a:avLst/>
+                  </a:prstGeom>
+                  <a:solidFill>
+                    <a:srgbClr val="1CF0BE">
+                      <a:alpha val="10196"/>
+                    </a:srgbClr>
+                  </a:solidFill>
+                  <a:ln>
+                    <a:noFill/>
+                  </a:ln>
+                </p:spPr>
+                <p:style>
+                  <a:lnRef idx="2">
+                    <a:schemeClr val="accent1">
+                      <a:shade val="50000"/>
+                    </a:schemeClr>
+                  </a:lnRef>
+                  <a:fillRef idx="1">
+                    <a:schemeClr val="accent1"/>
+                  </a:fillRef>
+                  <a:effectRef idx="0">
+                    <a:schemeClr val="accent1"/>
+                  </a:effectRef>
+                  <a:fontRef idx="minor">
+                    <a:schemeClr val="lt1"/>
+                  </a:fontRef>
+                </p:style>
+                <p:txBody>
+                  <a:bodyPr rtlCol="0" anchor="ctr"/>
+                  <a:lstStyle/>
+                  <a:p>
+                    <a:pPr algn="ctr"/>
+                    <a:endParaRPr lang="zh-CN" altLang="en-US" dirty="0"/>
+                  </a:p>
+                </p:txBody>
+              </p:sp>
+            </p:grpSp>
+            <p:grpSp>
+              <p:nvGrpSpPr>
+                <p:cNvPr id="4" name="组合 3"/>
+                <p:cNvGrpSpPr/>
+                <p:nvPr/>
+              </p:nvGrpSpPr>
+              <p:grpSpPr>
+                <a:xfrm>
+                  <a:off x="770049" y="685800"/>
+                  <a:ext cx="5759807" cy="4976610"/>
+                  <a:chOff x="770049" y="685800"/>
+                  <a:chExt cx="5759807" cy="4976610"/>
+                </a:xfrm>
+              </p:grpSpPr>
+              <p:cxnSp>
+                <p:nvCxnSpPr>
+                  <p:cNvPr id="5" name="直接箭头连接符 4"/>
+                  <p:cNvCxnSpPr/>
+                  <p:nvPr/>
+                </p:nvCxnSpPr>
+                <p:spPr>
+                  <a:xfrm>
+                    <a:off x="2286000" y="685800"/>
+                    <a:ext cx="914400" cy="914400"/>
+                  </a:xfrm>
+                  <a:prstGeom prst="straightConnector1">
+                    <a:avLst/>
+                  </a:prstGeom>
+                  <a:ln w="19050">
+                    <a:solidFill>
+                      <a:srgbClr val="FFFFFF"/>
+                    </a:solidFill>
+                    <a:tailEnd type="triangle"/>
+                  </a:ln>
+                </p:spPr>
+                <p:style>
+                  <a:lnRef idx="1">
+                    <a:schemeClr val="accent1"/>
+                  </a:lnRef>
+                  <a:fillRef idx="0">
+                    <a:schemeClr val="accent1"/>
+                  </a:fillRef>
+                  <a:effectRef idx="0">
+                    <a:schemeClr val="accent1"/>
+                  </a:effectRef>
+                  <a:fontRef idx="minor">
+                    <a:schemeClr val="tx1"/>
+                  </a:fontRef>
+                </p:style>
+              </p:cxnSp>
+              <p:cxnSp>
+                <p:nvCxnSpPr>
+                  <p:cNvPr id="6" name="直接箭头连接符 5"/>
+                  <p:cNvCxnSpPr/>
+                  <p:nvPr/>
+                </p:nvCxnSpPr>
+                <p:spPr>
+                  <a:xfrm>
+                    <a:off x="5074007" y="3490172"/>
+                    <a:ext cx="1455849" cy="1562638"/>
+                  </a:xfrm>
+                  <a:prstGeom prst="straightConnector1">
+                    <a:avLst/>
+                  </a:prstGeom>
+                  <a:ln w="38100">
+                    <a:solidFill>
+                      <a:srgbClr val="FF0000"/>
+                    </a:solidFill>
+                    <a:tailEnd type="triangle"/>
+                  </a:ln>
+                </p:spPr>
+                <p:style>
+                  <a:lnRef idx="1">
+                    <a:schemeClr val="accent1"/>
+                  </a:lnRef>
+                  <a:fillRef idx="0">
+                    <a:schemeClr val="accent1"/>
+                  </a:fillRef>
+                  <a:effectRef idx="0">
+                    <a:schemeClr val="accent1"/>
+                  </a:effectRef>
+                  <a:fontRef idx="minor">
+                    <a:schemeClr val="tx1"/>
+                  </a:fontRef>
+                </p:style>
+              </p:cxnSp>
+              <p:grpSp>
+                <p:nvGrpSpPr>
+                  <p:cNvPr id="7" name="组合 6"/>
+                  <p:cNvGrpSpPr/>
+                  <p:nvPr/>
+                </p:nvGrpSpPr>
+                <p:grpSpPr>
+                  <a:xfrm>
+                    <a:off x="770049" y="1143000"/>
+                    <a:ext cx="4114800" cy="4519410"/>
+                    <a:chOff x="762000" y="1295400"/>
+                    <a:chExt cx="4114800" cy="4519410"/>
+                  </a:xfrm>
+                </p:grpSpPr>
+                <p:sp>
+                  <p:nvSpPr>
+                    <p:cNvPr id="9" name="圆角矩形 8"/>
+                    <p:cNvSpPr/>
+                    <p:nvPr/>
+                  </p:nvSpPr>
+                  <p:spPr>
+                    <a:xfrm>
+                      <a:off x="762000" y="1295400"/>
+                      <a:ext cx="990600" cy="609600"/>
+                    </a:xfrm>
+                    <a:prstGeom prst="roundRect">
+                      <a:avLst/>
+                    </a:prstGeom>
+                  </p:spPr>
+                  <p:style>
+                    <a:lnRef idx="2">
+                      <a:schemeClr val="accent3">
+                        <a:shade val="50000"/>
+                      </a:schemeClr>
+                    </a:lnRef>
+                    <a:fillRef idx="1">
+                      <a:schemeClr val="accent3"/>
+                    </a:fillRef>
+                    <a:effectRef idx="0">
+                      <a:schemeClr val="accent3"/>
+                    </a:effectRef>
+                    <a:fontRef idx="minor">
+                      <a:schemeClr val="lt1"/>
+                    </a:fontRef>
+                  </p:style>
+                  <p:txBody>
+                    <a:bodyPr rtlCol="0" anchor="ctr"/>
+                    <a:lstStyle/>
+                    <a:p>
+                      <a:pPr algn="ctr"/>
+                      <a:r>
+                        <a:rPr lang="zh-CN" altLang="en-US" dirty="0" smtClean="0"/>
+                        <a:t>请求</a:t>
+                      </a:r>
+                      <a:endParaRPr lang="zh-CN" altLang="en-US" dirty="0"/>
+                    </a:p>
+                  </p:txBody>
+                </p:sp>
+                <p:sp>
+                  <p:nvSpPr>
+                    <p:cNvPr id="10" name="圆角矩形 9"/>
+                    <p:cNvSpPr/>
+                    <p:nvPr/>
+                  </p:nvSpPr>
+                  <p:spPr>
+                    <a:xfrm>
+                      <a:off x="762000" y="4271491"/>
+                      <a:ext cx="990600" cy="609600"/>
+                    </a:xfrm>
+                    <a:prstGeom prst="roundRect">
+                      <a:avLst/>
+                    </a:prstGeom>
+                  </p:spPr>
+                  <p:style>
+                    <a:lnRef idx="2">
+                      <a:schemeClr val="accent3">
+                        <a:shade val="50000"/>
+                      </a:schemeClr>
+                    </a:lnRef>
+                    <a:fillRef idx="1">
+                      <a:schemeClr val="accent3"/>
+                    </a:fillRef>
+                    <a:effectRef idx="0">
+                      <a:schemeClr val="accent3"/>
+                    </a:effectRef>
+                    <a:fontRef idx="minor">
+                      <a:schemeClr val="lt1"/>
+                    </a:fontRef>
+                  </p:style>
+                  <p:txBody>
+                    <a:bodyPr rtlCol="0" anchor="ctr"/>
+                    <a:lstStyle/>
+                    <a:p>
+                      <a:pPr algn="ctr"/>
+                      <a:r>
+                        <a:rPr lang="zh-CN" altLang="en-US" dirty="0" smtClean="0"/>
+                        <a:t>请求</a:t>
+                      </a:r>
+                      <a:endParaRPr lang="zh-CN" altLang="en-US" dirty="0"/>
+                    </a:p>
+                  </p:txBody>
+                </p:sp>
+                <p:sp>
+                  <p:nvSpPr>
+                    <p:cNvPr id="11" name="圆角矩形 10"/>
+                    <p:cNvSpPr/>
+                    <p:nvPr/>
+                  </p:nvSpPr>
+                  <p:spPr>
+                    <a:xfrm>
+                      <a:off x="762000" y="3337772"/>
+                      <a:ext cx="990600" cy="609600"/>
+                    </a:xfrm>
+                    <a:prstGeom prst="roundRect">
+                      <a:avLst/>
+                    </a:prstGeom>
+                  </p:spPr>
+                  <p:style>
+                    <a:lnRef idx="2">
+                      <a:schemeClr val="accent3">
+                        <a:shade val="50000"/>
+                      </a:schemeClr>
+                    </a:lnRef>
+                    <a:fillRef idx="1">
+                      <a:schemeClr val="accent3"/>
+                    </a:fillRef>
+                    <a:effectRef idx="0">
+                      <a:schemeClr val="accent3"/>
+                    </a:effectRef>
+                    <a:fontRef idx="minor">
+                      <a:schemeClr val="lt1"/>
+                    </a:fontRef>
+                  </p:style>
+                  <p:txBody>
+                    <a:bodyPr rtlCol="0" anchor="ctr"/>
+                    <a:lstStyle/>
+                    <a:p>
+                      <a:pPr algn="ctr"/>
+                      <a:r>
+                        <a:rPr lang="zh-CN" altLang="en-US" dirty="0" smtClean="0"/>
+                        <a:t>请求</a:t>
+                      </a:r>
+                      <a:endParaRPr lang="zh-CN" altLang="en-US" dirty="0"/>
+                    </a:p>
+                  </p:txBody>
+                </p:sp>
+                <p:sp>
+                  <p:nvSpPr>
+                    <p:cNvPr id="12" name="圆角矩形 11"/>
+                    <p:cNvSpPr/>
+                    <p:nvPr/>
+                  </p:nvSpPr>
+                  <p:spPr>
+                    <a:xfrm>
+                      <a:off x="762000" y="2337515"/>
+                      <a:ext cx="990600" cy="609600"/>
+                    </a:xfrm>
+                    <a:prstGeom prst="roundRect">
+                      <a:avLst/>
+                    </a:prstGeom>
+                  </p:spPr>
+                  <p:style>
+                    <a:lnRef idx="2">
+                      <a:schemeClr val="accent3">
+                        <a:shade val="50000"/>
+                      </a:schemeClr>
+                    </a:lnRef>
+                    <a:fillRef idx="1">
+                      <a:schemeClr val="accent3"/>
+                    </a:fillRef>
+                    <a:effectRef idx="0">
+                      <a:schemeClr val="accent3"/>
+                    </a:effectRef>
+                    <a:fontRef idx="minor">
+                      <a:schemeClr val="lt1"/>
+                    </a:fontRef>
+                  </p:style>
+                  <p:txBody>
+                    <a:bodyPr rtlCol="0" anchor="ctr"/>
+                    <a:lstStyle/>
+                    <a:p>
+                      <a:pPr algn="ctr"/>
+                      <a:r>
+                        <a:rPr lang="zh-CN" altLang="en-US" dirty="0" smtClean="0"/>
+                        <a:t>请求</a:t>
+                      </a:r>
+                      <a:endParaRPr lang="zh-CN" altLang="en-US" dirty="0"/>
+                    </a:p>
+                  </p:txBody>
+                </p:sp>
+                <p:sp>
+                  <p:nvSpPr>
+                    <p:cNvPr id="13" name="圆角矩形 12"/>
+                    <p:cNvSpPr/>
+                    <p:nvPr/>
+                  </p:nvSpPr>
+                  <p:spPr>
+                    <a:xfrm>
+                      <a:off x="762000" y="5205210"/>
+                      <a:ext cx="990600" cy="609600"/>
+                    </a:xfrm>
+                    <a:prstGeom prst="roundRect">
+                      <a:avLst/>
+                    </a:prstGeom>
+                  </p:spPr>
+                  <p:style>
+                    <a:lnRef idx="2">
+                      <a:schemeClr val="accent3">
+                        <a:shade val="50000"/>
+                      </a:schemeClr>
+                    </a:lnRef>
+                    <a:fillRef idx="1">
+                      <a:schemeClr val="accent3"/>
+                    </a:fillRef>
+                    <a:effectRef idx="0">
+                      <a:schemeClr val="accent3"/>
+                    </a:effectRef>
+                    <a:fontRef idx="minor">
+                      <a:schemeClr val="lt1"/>
+                    </a:fontRef>
+                  </p:style>
+                  <p:txBody>
+                    <a:bodyPr rtlCol="0" anchor="ctr"/>
+                    <a:lstStyle/>
+                    <a:p>
+                      <a:pPr algn="ctr"/>
+                      <a:r>
+                        <a:rPr lang="en-US" altLang="zh-CN" dirty="0" smtClean="0"/>
+                        <a:t>……</a:t>
+                      </a:r>
+                      <a:endParaRPr lang="zh-CN" altLang="en-US" dirty="0"/>
+                    </a:p>
+                  </p:txBody>
+                </p:sp>
+                <p:sp>
+                  <p:nvSpPr>
+                    <p:cNvPr id="14" name="圆角矩形 13"/>
+                    <p:cNvSpPr/>
+                    <p:nvPr/>
+                  </p:nvSpPr>
+                  <p:spPr>
+                    <a:xfrm>
+                      <a:off x="3886200" y="3288400"/>
+                      <a:ext cx="990600" cy="609600"/>
+                    </a:xfrm>
+                    <a:prstGeom prst="roundRect">
+                      <a:avLst/>
+                    </a:prstGeom>
+                    <a:solidFill>
+                      <a:srgbClr val="FF0000"/>
+                    </a:solidFill>
+                  </p:spPr>
+                  <p:style>
+                    <a:lnRef idx="2">
+                      <a:schemeClr val="accent3">
+                        <a:shade val="50000"/>
+                      </a:schemeClr>
+                    </a:lnRef>
+                    <a:fillRef idx="1">
+                      <a:schemeClr val="accent3"/>
+                    </a:fillRef>
+                    <a:effectRef idx="0">
+                      <a:schemeClr val="accent3"/>
+                    </a:effectRef>
+                    <a:fontRef idx="minor">
+                      <a:schemeClr val="lt1"/>
+                    </a:fontRef>
+                  </p:style>
+                  <p:txBody>
+                    <a:bodyPr rtlCol="0" anchor="ctr"/>
+                    <a:lstStyle/>
+                    <a:p>
+                      <a:pPr algn="ctr"/>
+                      <a:r>
+                        <a:rPr lang="en-US" altLang="zh-CN" dirty="0" smtClean="0"/>
+                        <a:t>nginx</a:t>
+                      </a:r>
+                      <a:endParaRPr lang="zh-CN" altLang="en-US" dirty="0"/>
+                    </a:p>
+                  </p:txBody>
+                </p:sp>
+                <p:cxnSp>
+                  <p:nvCxnSpPr>
+                    <p:cNvPr id="15" name="直接箭头连接符 14"/>
+                    <p:cNvCxnSpPr/>
+                    <p:nvPr/>
+                  </p:nvCxnSpPr>
+                  <p:spPr>
+                    <a:xfrm flipV="1">
+                      <a:off x="1902317" y="3947372"/>
+                      <a:ext cx="1870924" cy="1257838"/>
+                    </a:xfrm>
+                    <a:prstGeom prst="straightConnector1">
+                      <a:avLst/>
+                    </a:prstGeom>
+                    <a:ln w="28575">
+                      <a:tailEnd type="triangle"/>
+                    </a:ln>
+                  </p:spPr>
+                  <p:style>
+                    <a:lnRef idx="1">
+                      <a:schemeClr val="accent1"/>
+                    </a:lnRef>
+                    <a:fillRef idx="0">
+                      <a:schemeClr val="accent1"/>
+                    </a:fillRef>
+                    <a:effectRef idx="0">
+                      <a:schemeClr val="accent1"/>
+                    </a:effectRef>
+                    <a:fontRef idx="minor">
+                      <a:schemeClr val="tx1"/>
+                    </a:fontRef>
+                  </p:style>
+                </p:cxnSp>
+                <p:cxnSp>
+                  <p:nvCxnSpPr>
+                    <p:cNvPr id="16" name="直接箭头连接符 15"/>
+                    <p:cNvCxnSpPr/>
+                    <p:nvPr/>
+                  </p:nvCxnSpPr>
+                  <p:spPr>
+                    <a:xfrm flipV="1">
+                      <a:off x="1941759" y="3898000"/>
+                      <a:ext cx="1697463" cy="678292"/>
+                    </a:xfrm>
+                    <a:prstGeom prst="straightConnector1">
+                      <a:avLst/>
+                    </a:prstGeom>
+                    <a:ln w="28575">
+                      <a:tailEnd type="triangle"/>
+                    </a:ln>
+                  </p:spPr>
+                  <p:style>
+                    <a:lnRef idx="1">
+                      <a:schemeClr val="accent1"/>
+                    </a:lnRef>
+                    <a:fillRef idx="0">
+                      <a:schemeClr val="accent1"/>
+                    </a:fillRef>
+                    <a:effectRef idx="0">
+                      <a:schemeClr val="accent1"/>
+                    </a:effectRef>
+                    <a:fontRef idx="minor">
+                      <a:schemeClr val="tx1"/>
+                    </a:fontRef>
+                  </p:style>
+                </p:cxnSp>
+                <p:cxnSp>
+                  <p:nvCxnSpPr>
+                    <p:cNvPr id="17" name="直接箭头连接符 16"/>
+                    <p:cNvCxnSpPr/>
+                    <p:nvPr/>
+                  </p:nvCxnSpPr>
+                  <p:spPr>
+                    <a:xfrm>
+                      <a:off x="1922038" y="3642572"/>
+                      <a:ext cx="1575985" cy="0"/>
+                    </a:xfrm>
+                    <a:prstGeom prst="straightConnector1">
+                      <a:avLst/>
+                    </a:prstGeom>
+                    <a:ln w="28575">
+                      <a:tailEnd type="triangle"/>
+                    </a:ln>
+                  </p:spPr>
+                  <p:style>
+                    <a:lnRef idx="1">
+                      <a:schemeClr val="accent1"/>
+                    </a:lnRef>
+                    <a:fillRef idx="0">
+                      <a:schemeClr val="accent1"/>
+                    </a:fillRef>
+                    <a:effectRef idx="0">
+                      <a:schemeClr val="accent1"/>
+                    </a:effectRef>
+                    <a:fontRef idx="minor">
+                      <a:schemeClr val="tx1"/>
+                    </a:fontRef>
+                  </p:style>
+                </p:cxnSp>
+                <p:cxnSp>
+                  <p:nvCxnSpPr>
+                    <p:cNvPr id="18" name="直接箭头连接符 17"/>
+                    <p:cNvCxnSpPr/>
+                    <p:nvPr/>
+                  </p:nvCxnSpPr>
+                  <p:spPr>
+                    <a:xfrm>
+                      <a:off x="1865559" y="2678800"/>
+                      <a:ext cx="1660704" cy="773800"/>
+                    </a:xfrm>
+                    <a:prstGeom prst="straightConnector1">
+                      <a:avLst/>
+                    </a:prstGeom>
+                    <a:ln w="28575">
+                      <a:tailEnd type="triangle"/>
+                    </a:ln>
+                  </p:spPr>
+                  <p:style>
+                    <a:lnRef idx="1">
+                      <a:schemeClr val="accent1"/>
+                    </a:lnRef>
+                    <a:fillRef idx="0">
+                      <a:schemeClr val="accent1"/>
+                    </a:fillRef>
+                    <a:effectRef idx="0">
+                      <a:schemeClr val="accent1"/>
+                    </a:effectRef>
+                    <a:fontRef idx="minor">
+                      <a:schemeClr val="tx1"/>
+                    </a:fontRef>
+                  </p:style>
+                </p:cxnSp>
+                <p:cxnSp>
+                  <p:nvCxnSpPr>
+                    <p:cNvPr id="19" name="直接箭头连接符 18"/>
+                    <p:cNvCxnSpPr/>
+                    <p:nvPr/>
+                  </p:nvCxnSpPr>
+                  <p:spPr>
+                    <a:xfrm>
+                      <a:off x="1902317" y="1676400"/>
+                      <a:ext cx="1794725" cy="1612000"/>
+                    </a:xfrm>
+                    <a:prstGeom prst="straightConnector1">
+                      <a:avLst/>
+                    </a:prstGeom>
+                    <a:ln w="28575">
+                      <a:tailEnd type="triangle"/>
+                    </a:ln>
+                  </p:spPr>
+                  <p:style>
+                    <a:lnRef idx="1">
+                      <a:schemeClr val="accent1"/>
+                    </a:lnRef>
+                    <a:fillRef idx="0">
+                      <a:schemeClr val="accent1"/>
+                    </a:fillRef>
+                    <a:effectRef idx="0">
+                      <a:schemeClr val="accent1"/>
+                    </a:effectRef>
+                    <a:fontRef idx="minor">
+                      <a:schemeClr val="tx1"/>
+                    </a:fontRef>
+                  </p:style>
+                </p:cxnSp>
+              </p:grpSp>
+            </p:grpSp>
+          </p:grpSp>
+          <p:sp>
+            <p:nvSpPr>
+              <p:cNvPr id="24" name="文本框 23"/>
+              <p:cNvSpPr txBox="1"/>
+              <p:nvPr/>
+            </p:nvSpPr>
+            <p:spPr>
+              <a:xfrm>
+                <a:off x="6587410" y="2780150"/>
+                <a:ext cx="2088792" cy="369332"/>
+              </a:xfrm>
+              <a:prstGeom prst="rect">
+                <a:avLst/>
+              </a:prstGeom>
+              <a:noFill/>
+            </p:spPr>
+            <p:txBody>
+              <a:bodyPr wrap="square" rtlCol="0">
+                <a:spAutoFit/>
+              </a:bodyPr>
+              <a:lstStyle/>
+              <a:p>
+                <a:r>
+                  <a:rPr lang="en-US" altLang="zh-CN" dirty="0" smtClean="0"/>
+                  <a:t>100</a:t>
+                </a:r>
+                <a:r>
+                  <a:rPr lang="zh-CN" altLang="en-US" dirty="0" smtClean="0"/>
+                  <a:t>个请求连接数</a:t>
+                </a:r>
+                <a:endParaRPr lang="zh-CN" altLang="en-US" dirty="0"/>
+              </a:p>
+            </p:txBody>
+          </p:sp>
+        </p:grpSp>
+        <p:sp>
+          <p:nvSpPr>
+            <p:cNvPr id="29" name="文本框 28"/>
+            <p:cNvSpPr txBox="1"/>
+            <p:nvPr/>
+          </p:nvSpPr>
+          <p:spPr>
+            <a:xfrm>
+              <a:off x="6448290" y="3998276"/>
+              <a:ext cx="2088792" cy="369332"/>
+            </a:xfrm>
+            <a:prstGeom prst="rect">
+              <a:avLst/>
+            </a:prstGeom>
+            <a:noFill/>
+          </p:spPr>
+          <p:txBody>
+            <a:bodyPr wrap="square" rtlCol="0">
+              <a:spAutoFit/>
+            </a:bodyPr>
+            <a:lstStyle/>
+            <a:p>
+              <a:r>
+                <a:rPr lang="en-US" altLang="zh-CN" dirty="0"/>
+                <a:t>5</a:t>
+              </a:r>
+              <a:r>
+                <a:rPr lang="en-US" altLang="zh-CN" dirty="0" smtClean="0"/>
+                <a:t>00</a:t>
+              </a:r>
+              <a:r>
+                <a:rPr lang="zh-CN" altLang="en-US" dirty="0" smtClean="0"/>
+                <a:t>个请求连接数</a:t>
+              </a:r>
+              <a:endParaRPr lang="zh-CN" altLang="en-US" dirty="0"/>
+            </a:p>
+          </p:txBody>
+        </p:sp>
+        <p:sp>
+          <p:nvSpPr>
+            <p:cNvPr id="30" name="文本框 29"/>
+            <p:cNvSpPr txBox="1"/>
+            <p:nvPr/>
+          </p:nvSpPr>
+          <p:spPr>
+            <a:xfrm>
+              <a:off x="6550517" y="5469890"/>
+              <a:ext cx="2088792" cy="369332"/>
+            </a:xfrm>
+            <a:prstGeom prst="rect">
+              <a:avLst/>
+            </a:prstGeom>
+            <a:noFill/>
+          </p:spPr>
+          <p:txBody>
+            <a:bodyPr wrap="square" rtlCol="0">
+              <a:spAutoFit/>
+            </a:bodyPr>
+            <a:lstStyle/>
+            <a:p>
+              <a:r>
+                <a:rPr lang="en-US" altLang="zh-CN" dirty="0" smtClean="0"/>
+                <a:t>66</a:t>
+              </a:r>
+              <a:r>
+                <a:rPr lang="zh-CN" altLang="en-US" dirty="0" smtClean="0"/>
+                <a:t>个请求连接数</a:t>
+              </a:r>
+              <a:endParaRPr lang="zh-CN" altLang="en-US" dirty="0"/>
+            </a:p>
+          </p:txBody>
+        </p:sp>
+      </p:grpSp>
+    </p:spTree>
+    <p:extLst>
+      <p:ext uri="{BB962C8B-B14F-4D97-AF65-F5344CB8AC3E}">
+        <p14:creationId xmlns:p14="http://schemas.microsoft.com/office/powerpoint/2010/main" val="3911415644"/>
+      </p:ext>
+    </p:extLst>
+  </p:cSld>
+  <p:clrMapOvr>
+    <a:masterClrMapping/>
+  </p:clrMapOvr>
+</p:sld>
+</file>
+
+<file path=ppt/slides/slide6.xml><?xml version="1.0" encoding="utf-8"?>
 <p:sld xmlns:a="http://schemas.openxmlformats.org/drawingml/2006/main" xmlns:r="http://schemas.openxmlformats.org/officeDocument/2006/relationships" xmlns:p="http://schemas.openxmlformats.org/presentationml/2006/main">
   <p:cSld>
     <p:spTree>
